--- a/Workshop/Intro_to_C++/2024/WS2.pptx
+++ b/Workshop/Intro_to_C++/2024/WS2.pptx
@@ -3855,7 +3855,7 @@
         </p:nvSpPr>
         <p:spPr>
           <a:xfrm>
-            <a:off x="10159331" y="114273"/>
+            <a:off x="9499764" y="114273"/>
             <a:ext cx="2058704" cy="369332"/>
           </a:xfrm>
           <a:prstGeom prst="rect">
@@ -3876,7 +3876,7 @@
                 </a:solidFill>
                 <a:latin typeface="Helvetica Light" panose="020B0403020202020204" pitchFamily="34" charset="0"/>
               </a:rPr>
-              <a:t>October 2023</a:t>
+              <a:t>October 2024</a:t>
             </a:r>
             <a:endParaRPr lang="en-GB" dirty="0"/>
           </a:p>

--- a/Workshop/Intro_to_C++/2024/WS2.pptx
+++ b/Workshop/Intro_to_C++/2024/WS2.pptx
@@ -47234,8 +47234,8 @@
           </a:p>
         </p:txBody>
       </p:sp>
-      <mc:AlternateContent xmlns:mc="http://schemas.openxmlformats.org/markup-compatibility/2006" xmlns:a14="http://schemas.microsoft.com/office/drawing/2010/main">
-        <mc:Choice Requires="a14">
+      <mc:AlternateContent xmlns:mc="http://schemas.openxmlformats.org/markup-compatibility/2006">
+        <mc:Choice xmlns:a14="http://schemas.microsoft.com/office/drawing/2010/main" Requires="a14">
           <p:sp>
             <p:nvSpPr>
               <p:cNvPr id="3" name="Content Placeholder 2">
@@ -47325,7 +47325,15 @@
               <a:p>
                 <a:r>
                   <a:rPr lang="en-US" sz="2400" dirty="0"/>
-                  <a:t>Send me your scripts by Wednesday evening next week (18/11/23) </a:t>
+                  <a:t>Send me your scripts by Wednesday evening next week </a:t>
+                </a:r>
+                <a:r>
+                  <a:rPr lang="en-US" sz="2400"/>
+                  <a:t>(30/10/24</a:t>
+                </a:r>
+                <a:r>
+                  <a:rPr lang="en-US" sz="2400" dirty="0"/>
+                  <a:t>) </a:t>
                 </a:r>
               </a:p>
               <a:p>
@@ -47334,7 +47342,7 @@
             </p:txBody>
           </p:sp>
         </mc:Choice>
-        <mc:Fallback xmlns="">
+        <mc:Fallback>
           <p:sp>
             <p:nvSpPr>
               <p:cNvPr id="3" name="Content Placeholder 2">
@@ -47368,7 +47376,7 @@
               <a:lstStyle/>
               <a:p>
                 <a:r>
-                  <a:rPr lang="en-GB">
+                  <a:rPr lang="en-US">
                     <a:noFill/>
                   </a:rPr>
                   <a:t> </a:t>
